--- a/graphs/source/figures.pptx
+++ b/graphs/source/figures.pptx
@@ -8,6 +8,7 @@
     <p:sldId id="256" r:id="rId2"/>
     <p:sldId id="257" r:id="rId3"/>
     <p:sldId id="258" r:id="rId4"/>
+    <p:sldId id="259" r:id="rId5"/>
   </p:sldIdLst>
   <p:sldSz cx="9144000" cy="6858000" type="screen4x3"/>
   <p:notesSz cx="6858000" cy="9144000"/>
@@ -290,7 +291,7 @@
           <a:p>
             <a:fld id="{13EA3A6C-48AB-854C-BDFF-FAF87ACACCF4}" type="datetimeFigureOut">
               <a:rPr lang="en-US" smtClean="0"/>
-              <a:t>5/11/13</a:t>
+              <a:t>8/27/13</a:t>
             </a:fld>
             <a:endParaRPr lang="en-US"/>
           </a:p>
@@ -460,7 +461,7 @@
           <a:p>
             <a:fld id="{13EA3A6C-48AB-854C-BDFF-FAF87ACACCF4}" type="datetimeFigureOut">
               <a:rPr lang="en-US" smtClean="0"/>
-              <a:t>5/11/13</a:t>
+              <a:t>8/27/13</a:t>
             </a:fld>
             <a:endParaRPr lang="en-US"/>
           </a:p>
@@ -640,7 +641,7 @@
           <a:p>
             <a:fld id="{13EA3A6C-48AB-854C-BDFF-FAF87ACACCF4}" type="datetimeFigureOut">
               <a:rPr lang="en-US" smtClean="0"/>
-              <a:t>5/11/13</a:t>
+              <a:t>8/27/13</a:t>
             </a:fld>
             <a:endParaRPr lang="en-US"/>
           </a:p>
@@ -810,7 +811,7 @@
           <a:p>
             <a:fld id="{13EA3A6C-48AB-854C-BDFF-FAF87ACACCF4}" type="datetimeFigureOut">
               <a:rPr lang="en-US" smtClean="0"/>
-              <a:t>5/11/13</a:t>
+              <a:t>8/27/13</a:t>
             </a:fld>
             <a:endParaRPr lang="en-US"/>
           </a:p>
@@ -1056,7 +1057,7 @@
           <a:p>
             <a:fld id="{13EA3A6C-48AB-854C-BDFF-FAF87ACACCF4}" type="datetimeFigureOut">
               <a:rPr lang="en-US" smtClean="0"/>
-              <a:t>5/11/13</a:t>
+              <a:t>8/27/13</a:t>
             </a:fld>
             <a:endParaRPr lang="en-US"/>
           </a:p>
@@ -1344,7 +1345,7 @@
           <a:p>
             <a:fld id="{13EA3A6C-48AB-854C-BDFF-FAF87ACACCF4}" type="datetimeFigureOut">
               <a:rPr lang="en-US" smtClean="0"/>
-              <a:t>5/11/13</a:t>
+              <a:t>8/27/13</a:t>
             </a:fld>
             <a:endParaRPr lang="en-US"/>
           </a:p>
@@ -1766,7 +1767,7 @@
           <a:p>
             <a:fld id="{13EA3A6C-48AB-854C-BDFF-FAF87ACACCF4}" type="datetimeFigureOut">
               <a:rPr lang="en-US" smtClean="0"/>
-              <a:t>5/11/13</a:t>
+              <a:t>8/27/13</a:t>
             </a:fld>
             <a:endParaRPr lang="en-US"/>
           </a:p>
@@ -1884,7 +1885,7 @@
           <a:p>
             <a:fld id="{13EA3A6C-48AB-854C-BDFF-FAF87ACACCF4}" type="datetimeFigureOut">
               <a:rPr lang="en-US" smtClean="0"/>
-              <a:t>5/11/13</a:t>
+              <a:t>8/27/13</a:t>
             </a:fld>
             <a:endParaRPr lang="en-US"/>
           </a:p>
@@ -1979,7 +1980,7 @@
           <a:p>
             <a:fld id="{13EA3A6C-48AB-854C-BDFF-FAF87ACACCF4}" type="datetimeFigureOut">
               <a:rPr lang="en-US" smtClean="0"/>
-              <a:t>5/11/13</a:t>
+              <a:t>8/27/13</a:t>
             </a:fld>
             <a:endParaRPr lang="en-US"/>
           </a:p>
@@ -2256,7 +2257,7 @@
           <a:p>
             <a:fld id="{13EA3A6C-48AB-854C-BDFF-FAF87ACACCF4}" type="datetimeFigureOut">
               <a:rPr lang="en-US" smtClean="0"/>
-              <a:t>5/11/13</a:t>
+              <a:t>8/27/13</a:t>
             </a:fld>
             <a:endParaRPr lang="en-US"/>
           </a:p>
@@ -2509,7 +2510,7 @@
           <a:p>
             <a:fld id="{13EA3A6C-48AB-854C-BDFF-FAF87ACACCF4}" type="datetimeFigureOut">
               <a:rPr lang="en-US" smtClean="0"/>
-              <a:t>5/11/13</a:t>
+              <a:t>8/27/13</a:t>
             </a:fld>
             <a:endParaRPr lang="en-US"/>
           </a:p>
@@ -2722,7 +2723,7 @@
           <a:p>
             <a:fld id="{13EA3A6C-48AB-854C-BDFF-FAF87ACACCF4}" type="datetimeFigureOut">
               <a:rPr lang="en-US" smtClean="0"/>
-              <a:t>5/11/13</a:t>
+              <a:t>8/27/13</a:t>
             </a:fld>
             <a:endParaRPr lang="en-US"/>
           </a:p>
@@ -7170,6 +7171,214 @@
 </p:sld>
 </file>
 
+<file path=ppt/slides/slide4.xml><?xml version="1.0" encoding="utf-8"?>
+<p:sld xmlns:a="http://schemas.openxmlformats.org/drawingml/2006/main" xmlns:r="http://schemas.openxmlformats.org/officeDocument/2006/relationships" xmlns:p="http://schemas.openxmlformats.org/presentationml/2006/main">
+  <p:cSld>
+    <p:spTree>
+      <p:nvGrpSpPr>
+        <p:cNvPr id="1" name=""/>
+        <p:cNvGrpSpPr/>
+        <p:nvPr/>
+      </p:nvGrpSpPr>
+      <p:grpSpPr>
+        <a:xfrm>
+          <a:off x="0" y="0"/>
+          <a:ext cx="0" cy="0"/>
+          <a:chOff x="0" y="0"/>
+          <a:chExt cx="0" cy="0"/>
+        </a:xfrm>
+      </p:grpSpPr>
+      <p:pic>
+        <p:nvPicPr>
+          <p:cNvPr id="4" name="Picture 3" descr="chap4-fw-outline.pdf"/>
+          <p:cNvPicPr>
+            <a:picLocks noChangeAspect="1"/>
+          </p:cNvPicPr>
+          <p:nvPr/>
+        </p:nvPicPr>
+        <p:blipFill>
+          <a:blip r:embed="rId2">
+            <a:extLst>
+              <a:ext uri="{28A0092B-C50C-407E-A947-70E740481C1C}">
+                <a14:useLocalDpi xmlns:a14="http://schemas.microsoft.com/office/drawing/2010/main" val="0"/>
+              </a:ext>
+            </a:extLst>
+          </a:blip>
+          <a:stretch>
+            <a:fillRect/>
+          </a:stretch>
+        </p:blipFill>
+        <p:spPr>
+          <a:xfrm>
+            <a:off x="807640" y="1420074"/>
+            <a:ext cx="8076787" cy="3878683"/>
+          </a:xfrm>
+          <a:prstGeom prst="rect">
+            <a:avLst/>
+          </a:prstGeom>
+        </p:spPr>
+      </p:pic>
+      <p:sp>
+        <p:nvSpPr>
+          <p:cNvPr id="5" name="TextBox 4"/>
+          <p:cNvSpPr txBox="1"/>
+          <p:nvPr/>
+        </p:nvSpPr>
+        <p:spPr>
+          <a:xfrm>
+            <a:off x="862260" y="2280309"/>
+            <a:ext cx="582211" cy="707886"/>
+          </a:xfrm>
+          <a:prstGeom prst="rect">
+            <a:avLst/>
+          </a:prstGeom>
+          <a:noFill/>
+        </p:spPr>
+        <p:txBody>
+          <a:bodyPr wrap="none" rtlCol="0">
+            <a:spAutoFit/>
+          </a:bodyPr>
+          <a:lstStyle/>
+          <a:p>
+            <a:pPr algn="dist"/>
+            <a:r>
+              <a:rPr lang="en-US" sz="4000" dirty="0" smtClean="0">
+                <a:latin typeface="Nexa Bold"/>
+                <a:cs typeface="Nexa Bold"/>
+              </a:rPr>
+              <a:t>A</a:t>
+            </a:r>
+            <a:endParaRPr lang="en-US" sz="4000" dirty="0">
+              <a:latin typeface="Nexa Bold"/>
+              <a:cs typeface="Nexa Bold"/>
+            </a:endParaRPr>
+          </a:p>
+        </p:txBody>
+      </p:sp>
+      <p:sp>
+        <p:nvSpPr>
+          <p:cNvPr id="6" name="TextBox 5"/>
+          <p:cNvSpPr txBox="1"/>
+          <p:nvPr/>
+        </p:nvSpPr>
+        <p:spPr>
+          <a:xfrm>
+            <a:off x="5203155" y="2280309"/>
+            <a:ext cx="535018" cy="707886"/>
+          </a:xfrm>
+          <a:prstGeom prst="rect">
+            <a:avLst/>
+          </a:prstGeom>
+          <a:noFill/>
+        </p:spPr>
+        <p:txBody>
+          <a:bodyPr wrap="none" rtlCol="0">
+            <a:spAutoFit/>
+          </a:bodyPr>
+          <a:lstStyle/>
+          <a:p>
+            <a:pPr algn="dist"/>
+            <a:r>
+              <a:rPr lang="en-US" sz="4000" dirty="0" smtClean="0">
+                <a:latin typeface="Nexa Bold"/>
+                <a:cs typeface="Nexa Bold"/>
+              </a:rPr>
+              <a:t>B</a:t>
+            </a:r>
+            <a:endParaRPr lang="en-US" sz="4000" dirty="0">
+              <a:latin typeface="Nexa Bold"/>
+              <a:cs typeface="Nexa Bold"/>
+            </a:endParaRPr>
+          </a:p>
+        </p:txBody>
+      </p:sp>
+      <p:sp>
+        <p:nvSpPr>
+          <p:cNvPr id="7" name="TextBox 6"/>
+          <p:cNvSpPr txBox="1"/>
+          <p:nvPr/>
+        </p:nvSpPr>
+        <p:spPr>
+          <a:xfrm>
+            <a:off x="887908" y="4552846"/>
+            <a:ext cx="530915" cy="707886"/>
+          </a:xfrm>
+          <a:prstGeom prst="rect">
+            <a:avLst/>
+          </a:prstGeom>
+          <a:noFill/>
+        </p:spPr>
+        <p:txBody>
+          <a:bodyPr wrap="none" rtlCol="0">
+            <a:spAutoFit/>
+          </a:bodyPr>
+          <a:lstStyle/>
+          <a:p>
+            <a:pPr algn="dist"/>
+            <a:r>
+              <a:rPr lang="en-US" sz="4000" dirty="0" smtClean="0">
+                <a:latin typeface="Nexa Bold"/>
+                <a:cs typeface="Nexa Bold"/>
+              </a:rPr>
+              <a:t>C</a:t>
+            </a:r>
+            <a:endParaRPr lang="en-US" sz="4000" dirty="0">
+              <a:latin typeface="Nexa Bold"/>
+              <a:cs typeface="Nexa Bold"/>
+            </a:endParaRPr>
+          </a:p>
+        </p:txBody>
+      </p:sp>
+      <p:sp>
+        <p:nvSpPr>
+          <p:cNvPr id="8" name="TextBox 7"/>
+          <p:cNvSpPr txBox="1"/>
+          <p:nvPr/>
+        </p:nvSpPr>
+        <p:spPr>
+          <a:xfrm>
+            <a:off x="5221622" y="4552846"/>
+            <a:ext cx="545277" cy="707886"/>
+          </a:xfrm>
+          <a:prstGeom prst="rect">
+            <a:avLst/>
+          </a:prstGeom>
+          <a:noFill/>
+        </p:spPr>
+        <p:txBody>
+          <a:bodyPr wrap="none" rtlCol="0">
+            <a:spAutoFit/>
+          </a:bodyPr>
+          <a:lstStyle/>
+          <a:p>
+            <a:pPr algn="dist"/>
+            <a:r>
+              <a:rPr lang="en-US" sz="4000" dirty="0" smtClean="0">
+                <a:latin typeface="Nexa Bold"/>
+                <a:cs typeface="Nexa Bold"/>
+              </a:rPr>
+              <a:t>D</a:t>
+            </a:r>
+            <a:endParaRPr lang="en-US" sz="4000" dirty="0">
+              <a:latin typeface="Nexa Bold"/>
+              <a:cs typeface="Nexa Bold"/>
+            </a:endParaRPr>
+          </a:p>
+        </p:txBody>
+      </p:sp>
+    </p:spTree>
+    <p:extLst>
+      <p:ext uri="{BB962C8B-B14F-4D97-AF65-F5344CB8AC3E}">
+        <p14:creationId xmlns:p14="http://schemas.microsoft.com/office/powerpoint/2010/main" val="1576160075"/>
+      </p:ext>
+    </p:extLst>
+  </p:cSld>
+  <p:clrMapOvr>
+    <a:masterClrMapping/>
+  </p:clrMapOvr>
+</p:sld>
+</file>
+
 <file path=ppt/theme/theme1.xml><?xml version="1.0" encoding="utf-8"?>
 <a:theme xmlns:a="http://schemas.openxmlformats.org/drawingml/2006/main" name="Office Theme">
   <a:themeElements>

--- a/graphs/source/figures.pptx
+++ b/graphs/source/figures.pptx
@@ -291,7 +291,7 @@
           <a:p>
             <a:fld id="{13EA3A6C-48AB-854C-BDFF-FAF87ACACCF4}" type="datetimeFigureOut">
               <a:rPr lang="en-US" smtClean="0"/>
-              <a:t>8/27/13</a:t>
+              <a:t>27/03/14</a:t>
             </a:fld>
             <a:endParaRPr lang="en-US"/>
           </a:p>
@@ -461,7 +461,7 @@
           <a:p>
             <a:fld id="{13EA3A6C-48AB-854C-BDFF-FAF87ACACCF4}" type="datetimeFigureOut">
               <a:rPr lang="en-US" smtClean="0"/>
-              <a:t>8/27/13</a:t>
+              <a:t>27/03/14</a:t>
             </a:fld>
             <a:endParaRPr lang="en-US"/>
           </a:p>
@@ -641,7 +641,7 @@
           <a:p>
             <a:fld id="{13EA3A6C-48AB-854C-BDFF-FAF87ACACCF4}" type="datetimeFigureOut">
               <a:rPr lang="en-US" smtClean="0"/>
-              <a:t>8/27/13</a:t>
+              <a:t>27/03/14</a:t>
             </a:fld>
             <a:endParaRPr lang="en-US"/>
           </a:p>
@@ -811,7 +811,7 @@
           <a:p>
             <a:fld id="{13EA3A6C-48AB-854C-BDFF-FAF87ACACCF4}" type="datetimeFigureOut">
               <a:rPr lang="en-US" smtClean="0"/>
-              <a:t>8/27/13</a:t>
+              <a:t>27/03/14</a:t>
             </a:fld>
             <a:endParaRPr lang="en-US"/>
           </a:p>
@@ -1057,7 +1057,7 @@
           <a:p>
             <a:fld id="{13EA3A6C-48AB-854C-BDFF-FAF87ACACCF4}" type="datetimeFigureOut">
               <a:rPr lang="en-US" smtClean="0"/>
-              <a:t>8/27/13</a:t>
+              <a:t>27/03/14</a:t>
             </a:fld>
             <a:endParaRPr lang="en-US"/>
           </a:p>
@@ -1345,7 +1345,7 @@
           <a:p>
             <a:fld id="{13EA3A6C-48AB-854C-BDFF-FAF87ACACCF4}" type="datetimeFigureOut">
               <a:rPr lang="en-US" smtClean="0"/>
-              <a:t>8/27/13</a:t>
+              <a:t>27/03/14</a:t>
             </a:fld>
             <a:endParaRPr lang="en-US"/>
           </a:p>
@@ -1767,7 +1767,7 @@
           <a:p>
             <a:fld id="{13EA3A6C-48AB-854C-BDFF-FAF87ACACCF4}" type="datetimeFigureOut">
               <a:rPr lang="en-US" smtClean="0"/>
-              <a:t>8/27/13</a:t>
+              <a:t>27/03/14</a:t>
             </a:fld>
             <a:endParaRPr lang="en-US"/>
           </a:p>
@@ -1885,7 +1885,7 @@
           <a:p>
             <a:fld id="{13EA3A6C-48AB-854C-BDFF-FAF87ACACCF4}" type="datetimeFigureOut">
               <a:rPr lang="en-US" smtClean="0"/>
-              <a:t>8/27/13</a:t>
+              <a:t>27/03/14</a:t>
             </a:fld>
             <a:endParaRPr lang="en-US"/>
           </a:p>
@@ -1980,7 +1980,7 @@
           <a:p>
             <a:fld id="{13EA3A6C-48AB-854C-BDFF-FAF87ACACCF4}" type="datetimeFigureOut">
               <a:rPr lang="en-US" smtClean="0"/>
-              <a:t>8/27/13</a:t>
+              <a:t>27/03/14</a:t>
             </a:fld>
             <a:endParaRPr lang="en-US"/>
           </a:p>
@@ -2257,7 +2257,7 @@
           <a:p>
             <a:fld id="{13EA3A6C-48AB-854C-BDFF-FAF87ACACCF4}" type="datetimeFigureOut">
               <a:rPr lang="en-US" smtClean="0"/>
-              <a:t>8/27/13</a:t>
+              <a:t>27/03/14</a:t>
             </a:fld>
             <a:endParaRPr lang="en-US"/>
           </a:p>
@@ -2510,7 +2510,7 @@
           <a:p>
             <a:fld id="{13EA3A6C-48AB-854C-BDFF-FAF87ACACCF4}" type="datetimeFigureOut">
               <a:rPr lang="en-US" smtClean="0"/>
-              <a:t>8/27/13</a:t>
+              <a:t>27/03/14</a:t>
             </a:fld>
             <a:endParaRPr lang="en-US"/>
           </a:p>
@@ -2723,7 +2723,7 @@
           <a:p>
             <a:fld id="{13EA3A6C-48AB-854C-BDFF-FAF87ACACCF4}" type="datetimeFigureOut">
               <a:rPr lang="en-US" smtClean="0"/>
-              <a:t>8/27/13</a:t>
+              <a:t>27/03/14</a:t>
             </a:fld>
             <a:endParaRPr lang="en-US"/>
           </a:p>
@@ -7190,7 +7190,7 @@
       </p:grpSpPr>
       <p:pic>
         <p:nvPicPr>
-          <p:cNvPr id="4" name="Picture 3" descr="chap4-fw-outline.pdf"/>
+          <p:cNvPr id="2" name="Picture 1" descr="chap4-fig-fw-outline.pdf"/>
           <p:cNvPicPr>
             <a:picLocks noChangeAspect="1"/>
           </p:cNvPicPr>
@@ -7210,8 +7210,8 @@
         </p:blipFill>
         <p:spPr>
           <a:xfrm>
-            <a:off x="807640" y="1420074"/>
-            <a:ext cx="8076787" cy="3878683"/>
+            <a:off x="455868" y="1405462"/>
+            <a:ext cx="8192325" cy="4140207"/>
           </a:xfrm>
           <a:prstGeom prst="rect">
             <a:avLst/>
@@ -7226,7 +7226,7 @@
         </p:nvSpPr>
         <p:spPr>
           <a:xfrm>
-            <a:off x="862260" y="2280309"/>
+            <a:off x="833035" y="2280309"/>
             <a:ext cx="582211" cy="707886"/>
           </a:xfrm>
           <a:prstGeom prst="rect">
@@ -7263,7 +7263,7 @@
         </p:nvSpPr>
         <p:spPr>
           <a:xfrm>
-            <a:off x="5203155" y="2280309"/>
+            <a:off x="4964372" y="2280309"/>
             <a:ext cx="535018" cy="707886"/>
           </a:xfrm>
           <a:prstGeom prst="rect">
@@ -7300,7 +7300,7 @@
         </p:nvSpPr>
         <p:spPr>
           <a:xfrm>
-            <a:off x="887908" y="4552846"/>
+            <a:off x="862260" y="4552846"/>
             <a:ext cx="530915" cy="707886"/>
           </a:xfrm>
           <a:prstGeom prst="rect">
@@ -7337,7 +7337,7 @@
         </p:nvSpPr>
         <p:spPr>
           <a:xfrm>
-            <a:off x="5221622" y="4552846"/>
+            <a:off x="4954113" y="4552846"/>
             <a:ext cx="545277" cy="707886"/>
           </a:xfrm>
           <a:prstGeom prst="rect">

--- a/graphs/source/figures.pptx
+++ b/graphs/source/figures.pptx
@@ -5,10 +5,9 @@
     <p:sldMasterId id="2147483648" r:id="rId1"/>
   </p:sldMasterIdLst>
   <p:sldIdLst>
-    <p:sldId id="256" r:id="rId2"/>
-    <p:sldId id="257" r:id="rId3"/>
-    <p:sldId id="258" r:id="rId4"/>
-    <p:sldId id="259" r:id="rId5"/>
+    <p:sldId id="257" r:id="rId2"/>
+    <p:sldId id="258" r:id="rId3"/>
+    <p:sldId id="260" r:id="rId4"/>
   </p:sldIdLst>
   <p:sldSz cx="9144000" cy="6858000" type="screen4x3"/>
   <p:notesSz cx="6858000" cy="9144000"/>
@@ -291,7 +290,7 @@
           <a:p>
             <a:fld id="{13EA3A6C-48AB-854C-BDFF-FAF87ACACCF4}" type="datetimeFigureOut">
               <a:rPr lang="en-US" smtClean="0"/>
-              <a:t>27/03/14</a:t>
+              <a:t>02/08/14</a:t>
             </a:fld>
             <a:endParaRPr lang="en-US"/>
           </a:p>
@@ -461,7 +460,7 @@
           <a:p>
             <a:fld id="{13EA3A6C-48AB-854C-BDFF-FAF87ACACCF4}" type="datetimeFigureOut">
               <a:rPr lang="en-US" smtClean="0"/>
-              <a:t>27/03/14</a:t>
+              <a:t>02/08/14</a:t>
             </a:fld>
             <a:endParaRPr lang="en-US"/>
           </a:p>
@@ -641,7 +640,7 @@
           <a:p>
             <a:fld id="{13EA3A6C-48AB-854C-BDFF-FAF87ACACCF4}" type="datetimeFigureOut">
               <a:rPr lang="en-US" smtClean="0"/>
-              <a:t>27/03/14</a:t>
+              <a:t>02/08/14</a:t>
             </a:fld>
             <a:endParaRPr lang="en-US"/>
           </a:p>
@@ -811,7 +810,7 @@
           <a:p>
             <a:fld id="{13EA3A6C-48AB-854C-BDFF-FAF87ACACCF4}" type="datetimeFigureOut">
               <a:rPr lang="en-US" smtClean="0"/>
-              <a:t>27/03/14</a:t>
+              <a:t>02/08/14</a:t>
             </a:fld>
             <a:endParaRPr lang="en-US"/>
           </a:p>
@@ -1057,7 +1056,7 @@
           <a:p>
             <a:fld id="{13EA3A6C-48AB-854C-BDFF-FAF87ACACCF4}" type="datetimeFigureOut">
               <a:rPr lang="en-US" smtClean="0"/>
-              <a:t>27/03/14</a:t>
+              <a:t>02/08/14</a:t>
             </a:fld>
             <a:endParaRPr lang="en-US"/>
           </a:p>
@@ -1345,7 +1344,7 @@
           <a:p>
             <a:fld id="{13EA3A6C-48AB-854C-BDFF-FAF87ACACCF4}" type="datetimeFigureOut">
               <a:rPr lang="en-US" smtClean="0"/>
-              <a:t>27/03/14</a:t>
+              <a:t>02/08/14</a:t>
             </a:fld>
             <a:endParaRPr lang="en-US"/>
           </a:p>
@@ -1767,7 +1766,7 @@
           <a:p>
             <a:fld id="{13EA3A6C-48AB-854C-BDFF-FAF87ACACCF4}" type="datetimeFigureOut">
               <a:rPr lang="en-US" smtClean="0"/>
-              <a:t>27/03/14</a:t>
+              <a:t>02/08/14</a:t>
             </a:fld>
             <a:endParaRPr lang="en-US"/>
           </a:p>
@@ -1885,7 +1884,7 @@
           <a:p>
             <a:fld id="{13EA3A6C-48AB-854C-BDFF-FAF87ACACCF4}" type="datetimeFigureOut">
               <a:rPr lang="en-US" smtClean="0"/>
-              <a:t>27/03/14</a:t>
+              <a:t>02/08/14</a:t>
             </a:fld>
             <a:endParaRPr lang="en-US"/>
           </a:p>
@@ -1980,7 +1979,7 @@
           <a:p>
             <a:fld id="{13EA3A6C-48AB-854C-BDFF-FAF87ACACCF4}" type="datetimeFigureOut">
               <a:rPr lang="en-US" smtClean="0"/>
-              <a:t>27/03/14</a:t>
+              <a:t>02/08/14</a:t>
             </a:fld>
             <a:endParaRPr lang="en-US"/>
           </a:p>
@@ -2257,7 +2256,7 @@
           <a:p>
             <a:fld id="{13EA3A6C-48AB-854C-BDFF-FAF87ACACCF4}" type="datetimeFigureOut">
               <a:rPr lang="en-US" smtClean="0"/>
-              <a:t>27/03/14</a:t>
+              <a:t>02/08/14</a:t>
             </a:fld>
             <a:endParaRPr lang="en-US"/>
           </a:p>
@@ -2510,7 +2509,7 @@
           <a:p>
             <a:fld id="{13EA3A6C-48AB-854C-BDFF-FAF87ACACCF4}" type="datetimeFigureOut">
               <a:rPr lang="en-US" smtClean="0"/>
-              <a:t>27/03/14</a:t>
+              <a:t>02/08/14</a:t>
             </a:fld>
             <a:endParaRPr lang="en-US"/>
           </a:p>
@@ -2723,7 +2722,7 @@
           <a:p>
             <a:fld id="{13EA3A6C-48AB-854C-BDFF-FAF87ACACCF4}" type="datetimeFigureOut">
               <a:rPr lang="en-US" smtClean="0"/>
-              <a:t>27/03/14</a:t>
+              <a:t>02/08/14</a:t>
             </a:fld>
             <a:endParaRPr lang="en-US"/>
           </a:p>
@@ -3100,74 +3099,6 @@
       </p:grpSpPr>
       <p:sp>
         <p:nvSpPr>
-          <p:cNvPr id="2" name="Title 1"/>
-          <p:cNvSpPr>
-            <a:spLocks noGrp="1"/>
-          </p:cNvSpPr>
-          <p:nvPr>
-            <p:ph type="ctrTitle"/>
-          </p:nvPr>
-        </p:nvSpPr>
-        <p:spPr/>
-        <p:txBody>
-          <a:bodyPr/>
-          <a:lstStyle/>
-          <a:p>
-            <a:endParaRPr lang="en-US"/>
-          </a:p>
-        </p:txBody>
-      </p:sp>
-      <p:sp>
-        <p:nvSpPr>
-          <p:cNvPr id="3" name="Subtitle 2"/>
-          <p:cNvSpPr>
-            <a:spLocks noGrp="1"/>
-          </p:cNvSpPr>
-          <p:nvPr>
-            <p:ph type="subTitle" idx="1"/>
-          </p:nvPr>
-        </p:nvSpPr>
-        <p:spPr/>
-        <p:txBody>
-          <a:bodyPr/>
-          <a:lstStyle/>
-          <a:p>
-            <a:endParaRPr lang="en-US"/>
-          </a:p>
-        </p:txBody>
-      </p:sp>
-    </p:spTree>
-    <p:extLst>
-      <p:ext uri="{BB962C8B-B14F-4D97-AF65-F5344CB8AC3E}">
-        <p14:creationId xmlns:p14="http://schemas.microsoft.com/office/powerpoint/2010/main" val="1529793500"/>
-      </p:ext>
-    </p:extLst>
-  </p:cSld>
-  <p:clrMapOvr>
-    <a:masterClrMapping/>
-  </p:clrMapOvr>
-</p:sld>
-</file>
-
-<file path=ppt/slides/slide2.xml><?xml version="1.0" encoding="utf-8"?>
-<p:sld xmlns:a="http://schemas.openxmlformats.org/drawingml/2006/main" xmlns:r="http://schemas.openxmlformats.org/officeDocument/2006/relationships" xmlns:p="http://schemas.openxmlformats.org/presentationml/2006/main">
-  <p:cSld>
-    <p:spTree>
-      <p:nvGrpSpPr>
-        <p:cNvPr id="1" name=""/>
-        <p:cNvGrpSpPr/>
-        <p:nvPr/>
-      </p:nvGrpSpPr>
-      <p:grpSpPr>
-        <a:xfrm>
-          <a:off x="0" y="0"/>
-          <a:ext cx="0" cy="0"/>
-          <a:chOff x="0" y="0"/>
-          <a:chExt cx="0" cy="0"/>
-        </a:xfrm>
-      </p:grpSpPr>
-      <p:sp>
-        <p:nvSpPr>
           <p:cNvPr id="4" name="Rectangle 4"/>
           <p:cNvSpPr>
             <a:spLocks noChangeArrowheads="1"/>
@@ -4942,7 +4873,7 @@
 </p:sld>
 </file>
 
-<file path=ppt/slides/slide3.xml><?xml version="1.0" encoding="utf-8"?>
+<file path=ppt/slides/slide2.xml><?xml version="1.0" encoding="utf-8"?>
 <p:sld xmlns:a="http://schemas.openxmlformats.org/drawingml/2006/main" xmlns:r="http://schemas.openxmlformats.org/officeDocument/2006/relationships" xmlns:p="http://schemas.openxmlformats.org/presentationml/2006/main">
   <p:cSld>
     <p:spTree>
@@ -7171,7 +7102,7 @@
 </p:sld>
 </file>
 
-<file path=ppt/slides/slide4.xml><?xml version="1.0" encoding="utf-8"?>
+<file path=ppt/slides/slide3.xml><?xml version="1.0" encoding="utf-8"?>
 <p:sld xmlns:a="http://schemas.openxmlformats.org/drawingml/2006/main" xmlns:r="http://schemas.openxmlformats.org/officeDocument/2006/relationships" xmlns:p="http://schemas.openxmlformats.org/presentationml/2006/main">
   <p:cSld>
     <p:spTree>
@@ -7188,45 +7119,353 @@
           <a:chExt cx="0" cy="0"/>
         </a:xfrm>
       </p:grpSpPr>
-      <p:pic>
-        <p:nvPicPr>
-          <p:cNvPr id="2" name="Picture 1" descr="chap4-fig-fw-outline.pdf"/>
-          <p:cNvPicPr>
-            <a:picLocks noChangeAspect="1"/>
-          </p:cNvPicPr>
+      <p:sp>
+        <p:nvSpPr>
+          <p:cNvPr id="5" name="Rectangle 4"/>
+          <p:cNvSpPr/>
           <p:nvPr/>
-        </p:nvPicPr>
-        <p:blipFill>
-          <a:blip r:embed="rId2">
-            <a:extLst>
-              <a:ext uri="{28A0092B-C50C-407E-A947-70E740481C1C}">
-                <a14:useLocalDpi xmlns:a14="http://schemas.microsoft.com/office/drawing/2010/main" val="0"/>
-              </a:ext>
-            </a:extLst>
-          </a:blip>
-          <a:stretch>
-            <a:fillRect/>
-          </a:stretch>
-        </p:blipFill>
+        </p:nvSpPr>
         <p:spPr>
           <a:xfrm>
-            <a:off x="455868" y="1405462"/>
-            <a:ext cx="8192325" cy="4140207"/>
+            <a:off x="846632" y="1884323"/>
+            <a:ext cx="3591372" cy="1406419"/>
           </a:xfrm>
           <a:prstGeom prst="rect">
             <a:avLst/>
           </a:prstGeom>
+          <a:solidFill>
+            <a:srgbClr val="F6F1BB"/>
+          </a:solidFill>
+          <a:ln>
+            <a:solidFill>
+              <a:schemeClr val="tx1"/>
+            </a:solidFill>
+          </a:ln>
         </p:spPr>
-      </p:pic>
-      <p:sp>
-        <p:nvSpPr>
-          <p:cNvPr id="5" name="TextBox 4"/>
+        <p:style>
+          <a:lnRef idx="2">
+            <a:schemeClr val="accent6">
+              <a:shade val="50000"/>
+            </a:schemeClr>
+          </a:lnRef>
+          <a:fillRef idx="1">
+            <a:schemeClr val="accent6"/>
+          </a:fillRef>
+          <a:effectRef idx="0">
+            <a:schemeClr val="accent6"/>
+          </a:effectRef>
+          <a:fontRef idx="minor">
+            <a:schemeClr val="lt1"/>
+          </a:fontRef>
+        </p:style>
+        <p:txBody>
+          <a:bodyPr rtlCol="0" anchor="ctr"/>
+          <a:lstStyle/>
+          <a:p>
+            <a:pPr algn="ctr"/>
+            <a:r>
+              <a:rPr lang="en-US" sz="2000" b="1" dirty="0" smtClean="0">
+                <a:solidFill>
+                  <a:schemeClr val="tx1"/>
+                </a:solidFill>
+                <a:latin typeface="Nexa Light"/>
+                <a:cs typeface="Nexa Light"/>
+              </a:rPr>
+              <a:t>In-band</a:t>
+            </a:r>
+          </a:p>
+          <a:p>
+            <a:pPr algn="ctr"/>
+            <a:r>
+              <a:rPr lang="en-US" sz="2000" b="1" dirty="0" smtClean="0">
+                <a:solidFill>
+                  <a:schemeClr val="tx1"/>
+                </a:solidFill>
+                <a:latin typeface="Nexa Light"/>
+                <a:cs typeface="Nexa Light"/>
+              </a:rPr>
+              <a:t>On-path</a:t>
+            </a:r>
+            <a:endParaRPr lang="en-US" sz="2000" b="1" dirty="0">
+              <a:solidFill>
+                <a:schemeClr val="tx1"/>
+              </a:solidFill>
+              <a:latin typeface="Nexa Light"/>
+              <a:cs typeface="Nexa Light"/>
+            </a:endParaRPr>
+          </a:p>
+        </p:txBody>
+      </p:sp>
+      <p:sp>
+        <p:nvSpPr>
+          <p:cNvPr id="6" name="Rectangle 5"/>
+          <p:cNvSpPr/>
+          <p:nvPr/>
+        </p:nvSpPr>
+        <p:spPr>
+          <a:xfrm>
+            <a:off x="4972754" y="1884323"/>
+            <a:ext cx="3591372" cy="1406419"/>
+          </a:xfrm>
+          <a:prstGeom prst="rect">
+            <a:avLst/>
+          </a:prstGeom>
+          <a:solidFill>
+            <a:srgbClr val="F8BA4C"/>
+          </a:solidFill>
+          <a:ln>
+            <a:solidFill>
+              <a:schemeClr val="tx1"/>
+            </a:solidFill>
+          </a:ln>
+        </p:spPr>
+        <p:style>
+          <a:lnRef idx="2">
+            <a:schemeClr val="accent6">
+              <a:shade val="50000"/>
+            </a:schemeClr>
+          </a:lnRef>
+          <a:fillRef idx="1">
+            <a:schemeClr val="accent6"/>
+          </a:fillRef>
+          <a:effectRef idx="0">
+            <a:schemeClr val="accent6"/>
+          </a:effectRef>
+          <a:fontRef idx="minor">
+            <a:schemeClr val="lt1"/>
+          </a:fontRef>
+        </p:style>
+        <p:txBody>
+          <a:bodyPr rtlCol="0" anchor="ctr"/>
+          <a:lstStyle/>
+          <a:p>
+            <a:pPr algn="ctr"/>
+            <a:r>
+              <a:rPr lang="en-US" sz="2000" b="1" dirty="0" smtClean="0">
+                <a:solidFill>
+                  <a:schemeClr val="tx1"/>
+                </a:solidFill>
+                <a:latin typeface="Nexa Light"/>
+                <a:cs typeface="Nexa Light"/>
+              </a:rPr>
+              <a:t>Out-of-</a:t>
+            </a:r>
+            <a:r>
+              <a:rPr lang="en-US" sz="2000" b="1" dirty="0">
+                <a:solidFill>
+                  <a:schemeClr val="tx1"/>
+                </a:solidFill>
+                <a:latin typeface="Nexa Light"/>
+                <a:cs typeface="Nexa Light"/>
+              </a:rPr>
+              <a:t>band</a:t>
+            </a:r>
+          </a:p>
+          <a:p>
+            <a:pPr algn="ctr"/>
+            <a:r>
+              <a:rPr lang="en-US" sz="2000" b="1" dirty="0" smtClean="0">
+                <a:solidFill>
+                  <a:schemeClr val="tx1"/>
+                </a:solidFill>
+                <a:latin typeface="Nexa Light"/>
+                <a:cs typeface="Nexa Light"/>
+              </a:rPr>
+              <a:t>On-path</a:t>
+            </a:r>
+            <a:endParaRPr lang="en-US" sz="2000" b="1" dirty="0">
+              <a:solidFill>
+                <a:schemeClr val="tx1"/>
+              </a:solidFill>
+              <a:latin typeface="Nexa Light"/>
+              <a:cs typeface="Nexa Light"/>
+            </a:endParaRPr>
+          </a:p>
+        </p:txBody>
+      </p:sp>
+      <p:sp>
+        <p:nvSpPr>
+          <p:cNvPr id="7" name="Rectangle 6"/>
+          <p:cNvSpPr/>
+          <p:nvPr/>
+        </p:nvSpPr>
+        <p:spPr>
+          <a:xfrm>
+            <a:off x="4972754" y="3825461"/>
+            <a:ext cx="3591372" cy="1406419"/>
+          </a:xfrm>
+          <a:prstGeom prst="rect">
+            <a:avLst/>
+          </a:prstGeom>
+          <a:solidFill>
+            <a:srgbClr val="A5B0F2"/>
+          </a:solidFill>
+          <a:ln>
+            <a:solidFill>
+              <a:schemeClr val="tx1"/>
+            </a:solidFill>
+          </a:ln>
+        </p:spPr>
+        <p:style>
+          <a:lnRef idx="2">
+            <a:schemeClr val="accent6">
+              <a:shade val="50000"/>
+            </a:schemeClr>
+          </a:lnRef>
+          <a:fillRef idx="1">
+            <a:schemeClr val="accent6"/>
+          </a:fillRef>
+          <a:effectRef idx="0">
+            <a:schemeClr val="accent6"/>
+          </a:effectRef>
+          <a:fontRef idx="minor">
+            <a:schemeClr val="lt1"/>
+          </a:fontRef>
+        </p:style>
+        <p:txBody>
+          <a:bodyPr rtlCol="0" anchor="ctr"/>
+          <a:lstStyle/>
+          <a:p>
+            <a:pPr algn="ctr"/>
+            <a:r>
+              <a:rPr lang="en-US" sz="2000" b="1" dirty="0" smtClean="0">
+                <a:solidFill>
+                  <a:schemeClr val="tx1"/>
+                </a:solidFill>
+                <a:latin typeface="Nexa Light"/>
+                <a:cs typeface="Nexa Light"/>
+              </a:rPr>
+              <a:t>Out-of-</a:t>
+            </a:r>
+            <a:r>
+              <a:rPr lang="en-US" sz="2000" b="1" dirty="0">
+                <a:solidFill>
+                  <a:schemeClr val="tx1"/>
+                </a:solidFill>
+                <a:latin typeface="Nexa Light"/>
+                <a:cs typeface="Nexa Light"/>
+              </a:rPr>
+              <a:t>band</a:t>
+            </a:r>
+          </a:p>
+          <a:p>
+            <a:pPr algn="ctr"/>
+            <a:r>
+              <a:rPr lang="en-US" sz="2000" b="1" dirty="0">
+                <a:solidFill>
+                  <a:schemeClr val="tx1"/>
+                </a:solidFill>
+                <a:latin typeface="Nexa Light"/>
+                <a:cs typeface="Nexa Light"/>
+              </a:rPr>
+              <a:t>Off-</a:t>
+            </a:r>
+            <a:r>
+              <a:rPr lang="en-US" sz="2000" b="1" dirty="0" smtClean="0">
+                <a:solidFill>
+                  <a:schemeClr val="tx1"/>
+                </a:solidFill>
+                <a:latin typeface="Nexa Light"/>
+                <a:cs typeface="Nexa Light"/>
+              </a:rPr>
+              <a:t>path</a:t>
+            </a:r>
+            <a:endParaRPr lang="en-US" sz="2000" b="1" dirty="0">
+              <a:solidFill>
+                <a:schemeClr val="tx1"/>
+              </a:solidFill>
+              <a:latin typeface="Nexa Light"/>
+              <a:cs typeface="Nexa Light"/>
+            </a:endParaRPr>
+          </a:p>
+        </p:txBody>
+      </p:sp>
+      <p:sp>
+        <p:nvSpPr>
+          <p:cNvPr id="8" name="Rectangle 7"/>
+          <p:cNvSpPr/>
+          <p:nvPr/>
+        </p:nvSpPr>
+        <p:spPr>
+          <a:xfrm>
+            <a:off x="846632" y="3825461"/>
+            <a:ext cx="3591372" cy="1406419"/>
+          </a:xfrm>
+          <a:prstGeom prst="rect">
+            <a:avLst/>
+          </a:prstGeom>
+          <a:solidFill>
+            <a:srgbClr val="8CD1FF"/>
+          </a:solidFill>
+          <a:ln>
+            <a:solidFill>
+              <a:schemeClr val="tx1"/>
+            </a:solidFill>
+          </a:ln>
+        </p:spPr>
+        <p:style>
+          <a:lnRef idx="2">
+            <a:schemeClr val="accent6">
+              <a:shade val="50000"/>
+            </a:schemeClr>
+          </a:lnRef>
+          <a:fillRef idx="1">
+            <a:schemeClr val="accent6"/>
+          </a:fillRef>
+          <a:effectRef idx="0">
+            <a:schemeClr val="accent6"/>
+          </a:effectRef>
+          <a:fontRef idx="minor">
+            <a:schemeClr val="lt1"/>
+          </a:fontRef>
+        </p:style>
+        <p:txBody>
+          <a:bodyPr rtlCol="0" anchor="ctr"/>
+          <a:lstStyle/>
+          <a:p>
+            <a:pPr algn="ctr"/>
+            <a:r>
+              <a:rPr lang="en-US" sz="2000" b="1" dirty="0">
+                <a:solidFill>
+                  <a:schemeClr val="tx1"/>
+                </a:solidFill>
+                <a:latin typeface="Nexa Light"/>
+                <a:cs typeface="Nexa Light"/>
+              </a:rPr>
+              <a:t>In-band</a:t>
+            </a:r>
+          </a:p>
+          <a:p>
+            <a:pPr algn="ctr"/>
+            <a:r>
+              <a:rPr lang="en-US" sz="2000" b="1" dirty="0" smtClean="0">
+                <a:solidFill>
+                  <a:schemeClr val="tx1"/>
+                </a:solidFill>
+                <a:latin typeface="Nexa Light"/>
+                <a:cs typeface="Nexa Light"/>
+              </a:rPr>
+              <a:t>Off-path</a:t>
+            </a:r>
+            <a:endParaRPr lang="en-US" sz="2000" b="1" dirty="0">
+              <a:solidFill>
+                <a:schemeClr val="tx1"/>
+              </a:solidFill>
+              <a:latin typeface="Nexa Light"/>
+              <a:cs typeface="Nexa Light"/>
+            </a:endParaRPr>
+          </a:p>
+        </p:txBody>
+      </p:sp>
+      <p:sp>
+        <p:nvSpPr>
+          <p:cNvPr id="10" name="TextBox 9"/>
           <p:cNvSpPr txBox="1"/>
           <p:nvPr/>
         </p:nvSpPr>
         <p:spPr>
           <a:xfrm>
-            <a:off x="833035" y="2280309"/>
+            <a:off x="860345" y="2567064"/>
             <a:ext cx="582211" cy="707886"/>
           </a:xfrm>
           <a:prstGeom prst="rect">
@@ -7257,13 +7496,13 @@
       </p:sp>
       <p:sp>
         <p:nvSpPr>
-          <p:cNvPr id="6" name="TextBox 5"/>
+          <p:cNvPr id="11" name="TextBox 10"/>
           <p:cNvSpPr txBox="1"/>
           <p:nvPr/>
         </p:nvSpPr>
         <p:spPr>
           <a:xfrm>
-            <a:off x="4964372" y="2280309"/>
+            <a:off x="4991682" y="2567064"/>
             <a:ext cx="535018" cy="707886"/>
           </a:xfrm>
           <a:prstGeom prst="rect">
@@ -7294,13 +7533,13 @@
       </p:sp>
       <p:sp>
         <p:nvSpPr>
-          <p:cNvPr id="7" name="TextBox 6"/>
+          <p:cNvPr id="12" name="TextBox 11"/>
           <p:cNvSpPr txBox="1"/>
           <p:nvPr/>
         </p:nvSpPr>
         <p:spPr>
           <a:xfrm>
-            <a:off x="862260" y="4552846"/>
+            <a:off x="862260" y="4523994"/>
             <a:ext cx="530915" cy="707886"/>
           </a:xfrm>
           <a:prstGeom prst="rect">
@@ -7331,13 +7570,13 @@
       </p:sp>
       <p:sp>
         <p:nvSpPr>
-          <p:cNvPr id="8" name="TextBox 7"/>
+          <p:cNvPr id="13" name="TextBox 12"/>
           <p:cNvSpPr txBox="1"/>
           <p:nvPr/>
         </p:nvSpPr>
         <p:spPr>
           <a:xfrm>
-            <a:off x="4954113" y="4552846"/>
+            <a:off x="4967768" y="4525536"/>
             <a:ext cx="545277" cy="707886"/>
           </a:xfrm>
           <a:prstGeom prst="rect">
@@ -7369,7 +7608,7 @@
     </p:spTree>
     <p:extLst>
       <p:ext uri="{BB962C8B-B14F-4D97-AF65-F5344CB8AC3E}">
-        <p14:creationId xmlns:p14="http://schemas.microsoft.com/office/powerpoint/2010/main" val="1576160075"/>
+        <p14:creationId xmlns:p14="http://schemas.microsoft.com/office/powerpoint/2010/main" val="3901513146"/>
       </p:ext>
     </p:extLst>
   </p:cSld>
